--- a/Alexa.pptx
+++ b/Alexa.pptx
@@ -14825,6 +14825,18 @@
   <p:clrMapOvr>
     <a:masterClrMapping/>
   </p:clrMapOvr>
+  <mc:AlternateContent xmlns:mc="http://schemas.openxmlformats.org/markup-compatibility/2006">
+    <mc:Choice xmlns:p15="http://schemas.microsoft.com/office/powerpoint/2012/main" Requires="p15">
+      <p:transition xmlns:p14="http://schemas.microsoft.com/office/powerpoint/2010/main" spd="slow" p14:dur="2000">
+        <p15:prstTrans prst="wind"/>
+      </p:transition>
+    </mc:Choice>
+    <mc:Fallback>
+      <p:transition spd="slow">
+        <p:fade/>
+      </p:transition>
+    </mc:Fallback>
+  </mc:AlternateContent>
   <p:timing>
     <p:tnLst>
       <p:par>
@@ -14943,6 +14955,18 @@
   <p:clrMapOvr>
     <a:masterClrMapping/>
   </p:clrMapOvr>
+  <mc:AlternateContent xmlns:mc="http://schemas.openxmlformats.org/markup-compatibility/2006">
+    <mc:Choice xmlns:p15="http://schemas.microsoft.com/office/powerpoint/2012/main" Requires="p15">
+      <p:transition xmlns:p14="http://schemas.microsoft.com/office/powerpoint/2010/main" spd="slow" p14:dur="2000">
+        <p15:prstTrans prst="wind"/>
+      </p:transition>
+    </mc:Choice>
+    <mc:Fallback>
+      <p:transition spd="slow">
+        <p:fade/>
+      </p:transition>
+    </mc:Fallback>
+  </mc:AlternateContent>
   <p:timing>
     <p:tnLst>
       <p:par>
@@ -15136,6 +15160,18 @@
   <p:clrMapOvr>
     <a:masterClrMapping/>
   </p:clrMapOvr>
+  <mc:AlternateContent xmlns:mc="http://schemas.openxmlformats.org/markup-compatibility/2006">
+    <mc:Choice xmlns:p15="http://schemas.microsoft.com/office/powerpoint/2012/main" Requires="p15">
+      <p:transition xmlns:p14="http://schemas.microsoft.com/office/powerpoint/2010/main" spd="slow" p14:dur="2000">
+        <p15:prstTrans prst="wind"/>
+      </p:transition>
+    </mc:Choice>
+    <mc:Fallback>
+      <p:transition spd="slow">
+        <p:fade/>
+      </p:transition>
+    </mc:Fallback>
+  </mc:AlternateContent>
   <p:timing>
     <p:tnLst>
       <p:par>
@@ -15327,6 +15363,18 @@
   <p:clrMapOvr>
     <a:masterClrMapping/>
   </p:clrMapOvr>
+  <mc:AlternateContent xmlns:mc="http://schemas.openxmlformats.org/markup-compatibility/2006">
+    <mc:Choice xmlns:p15="http://schemas.microsoft.com/office/powerpoint/2012/main" Requires="p15">
+      <p:transition xmlns:p14="http://schemas.microsoft.com/office/powerpoint/2010/main" spd="slow" p14:dur="2000">
+        <p15:prstTrans prst="wind"/>
+      </p:transition>
+    </mc:Choice>
+    <mc:Fallback>
+      <p:transition spd="slow">
+        <p:fade/>
+      </p:transition>
+    </mc:Fallback>
+  </mc:AlternateContent>
   <p:timing>
     <p:tnLst>
       <p:par>
@@ -15431,7 +15479,7 @@
         </p:blipFill>
         <p:spPr>
           <a:xfrm>
-            <a:off x="2789382" y="662914"/>
+            <a:off x="2806967" y="794478"/>
             <a:ext cx="7795491" cy="5844104"/>
           </a:xfrm>
           <a:prstGeom prst="round2DiagRect">
@@ -15504,6 +15552,18 @@
   <p:clrMapOvr>
     <a:masterClrMapping/>
   </p:clrMapOvr>
+  <mc:AlternateContent xmlns:mc="http://schemas.openxmlformats.org/markup-compatibility/2006">
+    <mc:Choice xmlns:p15="http://schemas.microsoft.com/office/powerpoint/2012/main" Requires="p15">
+      <p:transition xmlns:p14="http://schemas.microsoft.com/office/powerpoint/2010/main" spd="slow" p14:dur="2000">
+        <p15:prstTrans prst="wind"/>
+      </p:transition>
+    </mc:Choice>
+    <mc:Fallback>
+      <p:transition spd="slow">
+        <p:fade/>
+      </p:transition>
+    </mc:Fallback>
+  </mc:AlternateContent>
   <p:timing>
     <p:tnLst>
       <p:par>
@@ -16061,6 +16121,18 @@
   <p:clrMapOvr>
     <a:masterClrMapping/>
   </p:clrMapOvr>
+  <mc:AlternateContent xmlns:mc="http://schemas.openxmlformats.org/markup-compatibility/2006">
+    <mc:Choice xmlns:p15="http://schemas.microsoft.com/office/powerpoint/2012/main" Requires="p15">
+      <p:transition xmlns:p14="http://schemas.microsoft.com/office/powerpoint/2010/main" spd="slow" p14:dur="2000">
+        <p15:prstTrans prst="wind"/>
+      </p:transition>
+    </mc:Choice>
+    <mc:Fallback>
+      <p:transition spd="slow">
+        <p:fade/>
+      </p:transition>
+    </mc:Fallback>
+  </mc:AlternateContent>
   <p:timing>
     <p:tnLst>
       <p:par>
@@ -16625,6 +16697,18 @@
   <p:clrMapOvr>
     <a:masterClrMapping/>
   </p:clrMapOvr>
+  <mc:AlternateContent xmlns:mc="http://schemas.openxmlformats.org/markup-compatibility/2006">
+    <mc:Choice xmlns:p15="http://schemas.microsoft.com/office/powerpoint/2012/main" Requires="p15">
+      <p:transition xmlns:p14="http://schemas.microsoft.com/office/powerpoint/2010/main" spd="slow" p14:dur="2000">
+        <p15:prstTrans prst="wind"/>
+      </p:transition>
+    </mc:Choice>
+    <mc:Fallback>
+      <p:transition spd="slow">
+        <p:fade/>
+      </p:transition>
+    </mc:Fallback>
+  </mc:AlternateContent>
   <p:timing>
     <p:tnLst>
       <p:par>
@@ -17246,6 +17330,18 @@
   <p:clrMapOvr>
     <a:masterClrMapping/>
   </p:clrMapOvr>
+  <mc:AlternateContent xmlns:mc="http://schemas.openxmlformats.org/markup-compatibility/2006">
+    <mc:Choice xmlns:p15="http://schemas.microsoft.com/office/powerpoint/2012/main" Requires="p15">
+      <p:transition xmlns:p14="http://schemas.microsoft.com/office/powerpoint/2010/main" spd="slow" p14:dur="2000">
+        <p15:prstTrans prst="wind"/>
+      </p:transition>
+    </mc:Choice>
+    <mc:Fallback>
+      <p:transition spd="slow">
+        <p:fade/>
+      </p:transition>
+    </mc:Fallback>
+  </mc:AlternateContent>
   <p:timing>
     <p:tnLst>
       <p:par>
@@ -17651,6 +17747,18 @@
   <p:clrMapOvr>
     <a:masterClrMapping/>
   </p:clrMapOvr>
+  <mc:AlternateContent xmlns:mc="http://schemas.openxmlformats.org/markup-compatibility/2006">
+    <mc:Choice xmlns:p15="http://schemas.microsoft.com/office/powerpoint/2012/main" Requires="p15">
+      <p:transition xmlns:p14="http://schemas.microsoft.com/office/powerpoint/2010/main" spd="slow" p14:dur="2000">
+        <p15:prstTrans prst="wind"/>
+      </p:transition>
+    </mc:Choice>
+    <mc:Fallback>
+      <p:transition spd="slow">
+        <p:fade/>
+      </p:transition>
+    </mc:Fallback>
+  </mc:AlternateContent>
   <p:timing>
     <p:tnLst>
       <p:par>
@@ -17966,6 +18074,18 @@
   <p:clrMapOvr>
     <a:masterClrMapping/>
   </p:clrMapOvr>
+  <mc:AlternateContent xmlns:mc="http://schemas.openxmlformats.org/markup-compatibility/2006">
+    <mc:Choice xmlns:p15="http://schemas.microsoft.com/office/powerpoint/2012/main" Requires="p15">
+      <p:transition xmlns:p14="http://schemas.microsoft.com/office/powerpoint/2010/main" spd="slow" p14:dur="2000">
+        <p15:prstTrans prst="wind"/>
+      </p:transition>
+    </mc:Choice>
+    <mc:Fallback>
+      <p:transition spd="slow">
+        <p:fade/>
+      </p:transition>
+    </mc:Fallback>
+  </mc:AlternateContent>
   <p:timing>
     <p:tnLst>
       <p:par>
